--- a/00257204+00157134.pptx
+++ b/00257204+00157134.pptx
@@ -6616,7 +6616,7 @@
           <a:p>
             <a:fld id="{3A23AF7D-F46B-4A75-846D-54E90DE54E16}" type="datetimeFigureOut">
               <a:rPr lang="zh-TW" altLang="en-US" smtClean="0"/>
-              <a:t>2016/5/8</a:t>
+              <a:t>2016/6/21</a:t>
             </a:fld>
             <a:endParaRPr lang="zh-TW" altLang="en-US"/>
           </a:p>
@@ -6812,7 +6812,7 @@
           <a:p>
             <a:fld id="{3A23AF7D-F46B-4A75-846D-54E90DE54E16}" type="datetimeFigureOut">
               <a:rPr lang="zh-TW" altLang="en-US" smtClean="0"/>
-              <a:t>2016/5/8</a:t>
+              <a:t>2016/6/21</a:t>
             </a:fld>
             <a:endParaRPr lang="zh-TW" altLang="en-US"/>
           </a:p>
@@ -6997,7 +6997,7 @@
           <a:p>
             <a:fld id="{3A23AF7D-F46B-4A75-846D-54E90DE54E16}" type="datetimeFigureOut">
               <a:rPr lang="zh-TW" altLang="en-US" smtClean="0"/>
-              <a:t>2016/5/8</a:t>
+              <a:t>2016/6/21</a:t>
             </a:fld>
             <a:endParaRPr lang="zh-TW" altLang="en-US"/>
           </a:p>
@@ -7147,7 +7147,7 @@
           <a:p>
             <a:fld id="{3A23AF7D-F46B-4A75-846D-54E90DE54E16}" type="datetimeFigureOut">
               <a:rPr lang="zh-TW" altLang="en-US" smtClean="0"/>
-              <a:t>2016/5/8</a:t>
+              <a:t>2016/6/21</a:t>
             </a:fld>
             <a:endParaRPr lang="zh-TW" altLang="en-US"/>
           </a:p>
@@ -7402,7 +7402,7 @@
           <a:p>
             <a:fld id="{3A23AF7D-F46B-4A75-846D-54E90DE54E16}" type="datetimeFigureOut">
               <a:rPr lang="zh-TW" altLang="en-US" smtClean="0"/>
-              <a:t>2016/5/8</a:t>
+              <a:t>2016/6/21</a:t>
             </a:fld>
             <a:endParaRPr lang="zh-TW" altLang="en-US"/>
           </a:p>
@@ -7811,7 +7811,7 @@
           <a:p>
             <a:fld id="{3A23AF7D-F46B-4A75-846D-54E90DE54E16}" type="datetimeFigureOut">
               <a:rPr lang="zh-TW" altLang="en-US" smtClean="0"/>
-              <a:t>2016/5/8</a:t>
+              <a:t>2016/6/21</a:t>
             </a:fld>
             <a:endParaRPr lang="zh-TW" altLang="en-US"/>
           </a:p>
@@ -8257,7 +8257,7 @@
           <a:p>
             <a:fld id="{3A23AF7D-F46B-4A75-846D-54E90DE54E16}" type="datetimeFigureOut">
               <a:rPr lang="zh-TW" altLang="en-US" smtClean="0"/>
-              <a:t>2016/5/8</a:t>
+              <a:t>2016/6/21</a:t>
             </a:fld>
             <a:endParaRPr lang="zh-TW" altLang="en-US"/>
           </a:p>
@@ -8358,7 +8358,7 @@
           <a:p>
             <a:fld id="{3A23AF7D-F46B-4A75-846D-54E90DE54E16}" type="datetimeFigureOut">
               <a:rPr lang="zh-TW" altLang="en-US" smtClean="0"/>
-              <a:t>2016/5/8</a:t>
+              <a:t>2016/6/21</a:t>
             </a:fld>
             <a:endParaRPr lang="zh-TW" altLang="en-US"/>
           </a:p>
@@ -8479,7 +8479,7 @@
           <a:p>
             <a:fld id="{3A23AF7D-F46B-4A75-846D-54E90DE54E16}" type="datetimeFigureOut">
               <a:rPr lang="zh-TW" altLang="en-US" smtClean="0"/>
-              <a:t>2016/5/8</a:t>
+              <a:t>2016/6/21</a:t>
             </a:fld>
             <a:endParaRPr lang="zh-TW" altLang="en-US"/>
           </a:p>
@@ -8753,7 +8753,7 @@
           <a:p>
             <a:fld id="{3A23AF7D-F46B-4A75-846D-54E90DE54E16}" type="datetimeFigureOut">
               <a:rPr lang="zh-TW" altLang="en-US" smtClean="0"/>
-              <a:t>2016/5/8</a:t>
+              <a:t>2016/6/21</a:t>
             </a:fld>
             <a:endParaRPr lang="zh-TW" altLang="en-US"/>
           </a:p>
@@ -8958,7 +8958,7 @@
           <a:p>
             <a:fld id="{3A23AF7D-F46B-4A75-846D-54E90DE54E16}" type="datetimeFigureOut">
               <a:rPr lang="zh-TW" altLang="en-US" smtClean="0"/>
-              <a:t>2016/5/8</a:t>
+              <a:t>2016/6/21</a:t>
             </a:fld>
             <a:endParaRPr lang="zh-TW" altLang="en-US"/>
           </a:p>
@@ -10067,7 +10067,7 @@
           <a:p>
             <a:fld id="{3A23AF7D-F46B-4A75-846D-54E90DE54E16}" type="datetimeFigureOut">
               <a:rPr lang="zh-TW" altLang="en-US" smtClean="0"/>
-              <a:t>2016/5/8</a:t>
+              <a:t>2016/6/21</a:t>
             </a:fld>
             <a:endParaRPr lang="zh-TW" altLang="en-US"/>
           </a:p>
@@ -10534,11 +10534,7 @@
             </a:r>
             <a:r>
               <a:rPr lang="zh-TW" altLang="en-US" dirty="0" smtClean="0"/>
-              <a:t> </a:t>
-            </a:r>
-            <a:r>
-              <a:rPr lang="zh-TW" altLang="en-US" dirty="0" smtClean="0"/>
-              <a:t>彭信傑</a:t>
+              <a:t> 彭信傑</a:t>
             </a:r>
             <a:r>
               <a:rPr lang="en-US" altLang="zh-TW" dirty="0" smtClean="0"/>
@@ -10831,29 +10827,152 @@
         </p:nvSpPr>
         <p:spPr/>
         <p:txBody>
-          <a:bodyPr/>
+          <a:bodyPr>
+            <a:normAutofit/>
+          </a:bodyPr>
           <a:lstStyle/>
           <a:p>
             <a:r>
+              <a:rPr lang="zh-TW" altLang="en-US" dirty="0" smtClean="0">
+                <a:solidFill>
+                  <a:schemeClr val="bg2">
+                    <a:lumMod val="50000"/>
+                  </a:schemeClr>
+                </a:solidFill>
+              </a:rPr>
+              <a:t>美食</a:t>
+            </a:r>
+            <a:r>
+              <a:rPr lang="zh-TW" altLang="en-US" dirty="0">
+                <a:solidFill>
+                  <a:schemeClr val="bg2">
+                    <a:lumMod val="50000"/>
+                  </a:schemeClr>
+                </a:solidFill>
+              </a:rPr>
+              <a:t>天堂</a:t>
+            </a:r>
+            <a:r>
+              <a:rPr lang="en-US" altLang="zh-TW" dirty="0"/>
+              <a:t>-</a:t>
+            </a:r>
+            <a:r>
               <a:rPr lang="zh-TW" altLang="en-US" dirty="0"/>
-              <a:t>讓</a:t>
+              <a:t>主要是以一個基隆在地人的角度去介紹基隆的當地</a:t>
             </a:r>
             <a:r>
               <a:rPr lang="zh-TW" altLang="en-US" dirty="0" smtClean="0"/>
-              <a:t>外地人知道基隆的美</a:t>
+              <a:t>特產美食及特色店家</a:t>
+            </a:r>
+            <a:endParaRPr lang="en-US" altLang="zh-TW" dirty="0"/>
+          </a:p>
+          <a:p>
+            <a:r>
+              <a:rPr lang="zh-TW" altLang="en-US" dirty="0" smtClean="0">
+                <a:solidFill>
+                  <a:schemeClr val="bg2">
+                    <a:lumMod val="50000"/>
+                  </a:schemeClr>
+                </a:solidFill>
+              </a:rPr>
+              <a:t>探索基隆</a:t>
+            </a:r>
+            <a:r>
+              <a:rPr lang="en-US" altLang="zh-TW" dirty="0" smtClean="0"/>
+              <a:t>-</a:t>
+            </a:r>
+            <a:r>
+              <a:rPr lang="zh-TW" altLang="en-US" dirty="0" smtClean="0"/>
+              <a:t>讓在地人知道基隆的文化背景與節慶</a:t>
             </a:r>
             <a:r>
               <a:rPr lang="en-US" altLang="zh-TW" dirty="0" smtClean="0"/>
               <a:t>,</a:t>
             </a:r>
             <a:r>
+              <a:rPr lang="zh-TW" altLang="en-US" dirty="0" smtClean="0"/>
+              <a:t>還有除了砲台以外的歷史建築</a:t>
+            </a:r>
+            <a:endParaRPr lang="en-US" altLang="zh-TW" dirty="0" smtClean="0"/>
+          </a:p>
+          <a:p>
+            <a:r>
+              <a:rPr lang="zh-TW" altLang="en-US" dirty="0">
+                <a:solidFill>
+                  <a:schemeClr val="bg2">
+                    <a:lumMod val="50000"/>
+                  </a:schemeClr>
+                </a:solidFill>
+              </a:rPr>
+              <a:t>旅遊基隆</a:t>
+            </a:r>
+            <a:r>
+              <a:rPr lang="en-US" altLang="zh-TW" dirty="0"/>
+              <a:t>-</a:t>
+            </a:r>
+            <a:r>
               <a:rPr lang="zh-TW" altLang="en-US" dirty="0"/>
-              <a:t>也</a:t>
+              <a:t>讓外地人知道基隆的美</a:t>
+            </a:r>
+            <a:r>
+              <a:rPr lang="en-US" altLang="zh-TW" dirty="0"/>
+              <a:t>,</a:t>
+            </a:r>
+            <a:r>
+              <a:rPr lang="zh-TW" altLang="en-US" dirty="0"/>
+              <a:t>也讓在地人知道基隆不為人知的</a:t>
             </a:r>
             <a:r>
               <a:rPr lang="zh-TW" altLang="en-US" dirty="0" smtClean="0"/>
-              <a:t>讓在地人知道基隆不為人知的美</a:t>
-            </a:r>
+              <a:t>美</a:t>
+            </a:r>
+            <a:endParaRPr lang="en-US" altLang="zh-TW" dirty="0"/>
+          </a:p>
+          <a:p>
+            <a:r>
+              <a:rPr lang="zh-TW" altLang="en-US" dirty="0">
+                <a:solidFill>
+                  <a:schemeClr val="bg2">
+                    <a:lumMod val="50000"/>
+                  </a:schemeClr>
+                </a:solidFill>
+              </a:rPr>
+              <a:t>悠閒</a:t>
+            </a:r>
+            <a:r>
+              <a:rPr lang="zh-TW" altLang="en-US" dirty="0" smtClean="0">
+                <a:solidFill>
+                  <a:schemeClr val="bg2">
+                    <a:lumMod val="50000"/>
+                  </a:schemeClr>
+                </a:solidFill>
+              </a:rPr>
+              <a:t>漫步</a:t>
+            </a:r>
+            <a:r>
+              <a:rPr lang="en-US" altLang="zh-TW" dirty="0" smtClean="0"/>
+              <a:t>-</a:t>
+            </a:r>
+            <a:r>
+              <a:rPr lang="zh-TW" altLang="en-US" dirty="0" smtClean="0"/>
+              <a:t>使基隆人吃飽飯不在煩惱去哪裡晃晃</a:t>
+            </a:r>
+            <a:endParaRPr lang="en-US" altLang="zh-TW" dirty="0" smtClean="0"/>
+          </a:p>
+          <a:p>
+            <a:endParaRPr lang="en-US" altLang="zh-TW" dirty="0" smtClean="0"/>
+          </a:p>
+          <a:p>
+            <a:endParaRPr lang="en-US" altLang="zh-TW" dirty="0"/>
+          </a:p>
+          <a:p>
+            <a:r>
+              <a:rPr lang="zh-TW" altLang="en-US" dirty="0" smtClean="0"/>
+              <a:t>藉由此網站去行銷基隆的歷史文化與小而美的風景</a:t>
+            </a:r>
+            <a:endParaRPr lang="en-US" altLang="zh-TW" dirty="0" smtClean="0"/>
+          </a:p>
+          <a:p>
             <a:endParaRPr lang="zh-TW" altLang="en-US" dirty="0"/>
           </a:p>
         </p:txBody>
@@ -10939,10 +11058,10 @@
           <a:lstStyle/>
           <a:p>
             <a:r>
-              <a:rPr lang="zh-TW" altLang="en-US" dirty="0" smtClean="0"/>
+              <a:rPr lang="zh-TW" altLang="en-US" dirty="0"/>
               <a:t>李旻蒼</a:t>
             </a:r>
-            <a:endParaRPr lang="en-US" altLang="zh-TW" dirty="0" smtClean="0"/>
+            <a:endParaRPr lang="en-US" altLang="zh-TW" dirty="0"/>
           </a:p>
           <a:p>
             <a:pPr>
@@ -10950,13 +11069,63 @@
               <a:buChar char="ü"/>
             </a:pPr>
             <a:r>
+              <a:rPr lang="zh-TW" altLang="en-US" dirty="0"/>
+              <a:t>探索基隆、旅遊</a:t>
+            </a:r>
+            <a:r>
               <a:rPr lang="zh-TW" altLang="en-US" dirty="0" smtClean="0"/>
-              <a:t>探索基隆、旅遊基隆</a:t>
+              <a:t>基隆之資料與圖片</a:t>
             </a:r>
             <a:endParaRPr lang="en-US" altLang="zh-TW" dirty="0" smtClean="0"/>
           </a:p>
           <a:p>
-            <a:endParaRPr lang="zh-TW" altLang="en-US" dirty="0"/>
+            <a:pPr>
+              <a:buFont typeface="Wingdings" panose="05000000000000000000" pitchFamily="2" charset="2"/>
+              <a:buChar char="ü"/>
+            </a:pPr>
+            <a:r>
+              <a:rPr lang="zh-TW" altLang="en-US" dirty="0" smtClean="0"/>
+              <a:t>網頁架構與構想</a:t>
+            </a:r>
+            <a:endParaRPr lang="en-US" altLang="zh-TW" dirty="0"/>
+          </a:p>
+          <a:p>
+            <a:pPr>
+              <a:buFont typeface="Wingdings" panose="05000000000000000000" pitchFamily="2" charset="2"/>
+              <a:buChar char="ü"/>
+            </a:pPr>
+            <a:r>
+              <a:rPr lang="en-US" altLang="zh-TW" dirty="0" smtClean="0"/>
+              <a:t>FB</a:t>
+            </a:r>
+            <a:r>
+              <a:rPr lang="zh-TW" altLang="en-US" dirty="0" smtClean="0"/>
+              <a:t>、</a:t>
+            </a:r>
+            <a:r>
+              <a:rPr lang="en-US" altLang="zh-TW" dirty="0" smtClean="0"/>
+              <a:t>Google </a:t>
+            </a:r>
+            <a:r>
+              <a:rPr lang="en-US" altLang="zh-TW" dirty="0"/>
+              <a:t>Map </a:t>
+            </a:r>
+            <a:r>
+              <a:rPr lang="en-US" altLang="zh-TW" dirty="0" smtClean="0"/>
+              <a:t>API</a:t>
+            </a:r>
+            <a:endParaRPr lang="en-US" altLang="zh-TW" dirty="0"/>
+          </a:p>
+          <a:p>
+            <a:pPr>
+              <a:buFont typeface="Wingdings" panose="05000000000000000000" pitchFamily="2" charset="2"/>
+              <a:buChar char="ü"/>
+            </a:pPr>
+            <a:r>
+              <a:rPr lang="zh-TW" altLang="en-US" dirty="0" smtClean="0"/>
+              <a:t>排版</a:t>
+            </a:r>
+            <a:endParaRPr lang="en-US" altLang="zh-TW" dirty="0"/>
           </a:p>
         </p:txBody>
       </p:sp>
@@ -11176,10 +11345,10 @@
           </a:lstStyle>
           <a:p>
             <a:r>
-              <a:rPr lang="zh-TW" altLang="en-US" dirty="0" smtClean="0"/>
+              <a:rPr lang="zh-TW" altLang="en-US" dirty="0"/>
               <a:t>彭信傑</a:t>
             </a:r>
-            <a:endParaRPr lang="en-US" altLang="zh-TW" dirty="0" smtClean="0"/>
+            <a:endParaRPr lang="en-US" altLang="zh-TW" dirty="0"/>
           </a:p>
           <a:p>
             <a:pPr>
@@ -11187,10 +11356,44 @@
               <a:buChar char="ü"/>
             </a:pPr>
             <a:r>
+              <a:rPr lang="zh-TW" altLang="en-US" dirty="0"/>
+              <a:t>基隆心故事、美食</a:t>
+            </a:r>
+            <a:r>
               <a:rPr lang="zh-TW" altLang="en-US" dirty="0" smtClean="0"/>
-              <a:t>基隆心故事、美食天堂</a:t>
-            </a:r>
-            <a:endParaRPr lang="en-US" altLang="zh-TW" dirty="0" smtClean="0"/>
+              <a:t>天堂之</a:t>
+            </a:r>
+            <a:r>
+              <a:rPr lang="zh-TW" altLang="en-US" dirty="0"/>
+              <a:t>資料與</a:t>
+            </a:r>
+            <a:r>
+              <a:rPr lang="zh-TW" altLang="en-US" dirty="0" smtClean="0"/>
+              <a:t>圖片</a:t>
+            </a:r>
+            <a:endParaRPr lang="en-US" altLang="zh-TW" dirty="0"/>
+          </a:p>
+          <a:p>
+            <a:pPr>
+              <a:buFont typeface="Wingdings" panose="05000000000000000000" pitchFamily="2" charset="2"/>
+              <a:buChar char="ü"/>
+            </a:pPr>
+            <a:r>
+              <a:rPr lang="zh-TW" altLang="en-US" dirty="0"/>
+              <a:t>排版</a:t>
+            </a:r>
+            <a:endParaRPr lang="en-US" altLang="zh-TW" dirty="0"/>
+          </a:p>
+          <a:p>
+            <a:pPr>
+              <a:buFont typeface="Wingdings" panose="05000000000000000000" pitchFamily="2" charset="2"/>
+              <a:buChar char="ü"/>
+            </a:pPr>
+            <a:r>
+              <a:rPr lang="zh-TW" altLang="en-US" dirty="0"/>
+              <a:t>上色</a:t>
+            </a:r>
+            <a:endParaRPr lang="en-US" altLang="zh-TW" dirty="0"/>
           </a:p>
           <a:p>
             <a:endParaRPr lang="zh-TW" altLang="en-US" dirty="0"/>

--- a/00257204+00157134.pptx
+++ b/00257204+00157134.pptx
@@ -1937,58 +1937,58 @@
     </dgm:pt>
   </dgm:ptLst>
   <dgm:cxnLst>
+    <dgm:cxn modelId="{D6FDBB02-5C41-486C-AEB0-9EA54C981DAA}" type="presOf" srcId="{C50E8E85-4902-4694-B6F0-693E459C772F}" destId="{95EFF7CF-B077-4720-8358-A94133411516}" srcOrd="1" destOrd="0" presId="urn:microsoft.com/office/officeart/2005/8/layout/orgChart1"/>
+    <dgm:cxn modelId="{6EF9B61C-DDE8-43F9-BD6B-3A706E29CCB9}" type="presOf" srcId="{16EC97A6-56C7-4D13-BD8E-04B730C82B8E}" destId="{D66B988D-E3EA-4A84-BBF1-C46FD31E4C17}" srcOrd="0" destOrd="0" presId="urn:microsoft.com/office/officeart/2005/8/layout/orgChart1"/>
+    <dgm:cxn modelId="{1BE0780F-FA02-4269-BB66-A40759A03A1E}" type="presOf" srcId="{051B2FDD-5B49-4918-9552-D74ADAE52480}" destId="{FD36B9AD-9753-479A-A411-5FDC1F4C4CDA}" srcOrd="1" destOrd="0" presId="urn:microsoft.com/office/officeart/2005/8/layout/orgChart1"/>
+    <dgm:cxn modelId="{37414572-7D3B-4FCA-A3B6-C9BBE445A4B9}" type="presOf" srcId="{44468A8F-F177-4F0C-9B0D-81598F37D0FE}" destId="{33B410C0-B038-480E-87A1-F08E7A73D7A3}" srcOrd="0" destOrd="0" presId="urn:microsoft.com/office/officeart/2005/8/layout/orgChart1"/>
+    <dgm:cxn modelId="{EAB0A00D-56B3-451F-B302-D71F9FA3AC93}" srcId="{42B85BE5-3577-4C2D-BE8C-5FD91DF64A41}" destId="{00CFEA72-CFD7-4808-960A-99A148F19AA6}" srcOrd="2" destOrd="0" parTransId="{B7684989-411D-4AD9-BC52-45B441810FB8}" sibTransId="{E17CE9E9-1D5F-45E6-A89C-A39E017AA076}"/>
+    <dgm:cxn modelId="{8267B76C-4E1B-4A0E-A67C-ACE81DF47634}" type="presOf" srcId="{D567E6AC-7485-4633-ABFB-AD8561A7F301}" destId="{18E67748-7374-4ECA-BCA5-0ACA62DAA545}" srcOrd="1" destOrd="0" presId="urn:microsoft.com/office/officeart/2005/8/layout/orgChart1"/>
+    <dgm:cxn modelId="{D403267D-D8A5-49BF-A721-5982AD40E43E}" srcId="{92DF16BB-A1C0-4A6D-94B6-A6F0ECDED519}" destId="{C50E8E85-4902-4694-B6F0-693E459C772F}" srcOrd="1" destOrd="0" parTransId="{BA5F9427-8D28-4F1E-B415-DBC21A99DCA6}" sibTransId="{6D62CB5F-EDC1-4E5B-A926-DB152AA27753}"/>
+    <dgm:cxn modelId="{5B971593-8778-4D0D-9698-1B719CF26AA3}" type="presOf" srcId="{38D70FD2-979C-4FC3-9511-EFE8B4268A1F}" destId="{B89F024F-CC6D-482A-90F2-D1DB1BB1BA14}" srcOrd="1" destOrd="0" presId="urn:microsoft.com/office/officeart/2005/8/layout/orgChart1"/>
+    <dgm:cxn modelId="{9EE44EAF-2F4A-42C7-AE36-6D9894F62FA6}" srcId="{00CFEA72-CFD7-4808-960A-99A148F19AA6}" destId="{38D70FD2-979C-4FC3-9511-EFE8B4268A1F}" srcOrd="0" destOrd="0" parTransId="{D58EC0A4-0FB4-4892-B004-23F40AA23156}" sibTransId="{85633334-6EF2-4B94-B4D9-B0CCEE53DCED}"/>
+    <dgm:cxn modelId="{6EEE009C-1808-4820-A2C9-C268A41CE199}" type="presOf" srcId="{00CFEA72-CFD7-4808-960A-99A148F19AA6}" destId="{D23CFB62-A431-4EFB-8026-290A4B942599}" srcOrd="1" destOrd="0" presId="urn:microsoft.com/office/officeart/2005/8/layout/orgChart1"/>
     <dgm:cxn modelId="{9865EF25-F24A-4DAB-9171-18A58F7DB060}" type="presOf" srcId="{B9040880-0923-4CAA-95A3-736F5437FDC7}" destId="{194FF17B-001C-445F-822F-6BB006BB38A2}" srcOrd="0" destOrd="0" presId="urn:microsoft.com/office/officeart/2005/8/layout/orgChart1"/>
+    <dgm:cxn modelId="{BD555F14-F953-489E-86D4-7D0429024552}" type="presOf" srcId="{051B2FDD-5B49-4918-9552-D74ADAE52480}" destId="{87BC7E62-9828-4DA7-A786-5502403CB809}" srcOrd="0" destOrd="0" presId="urn:microsoft.com/office/officeart/2005/8/layout/orgChart1"/>
+    <dgm:cxn modelId="{9AE9D15B-B22C-4479-A9F8-C07C5EABAFE7}" type="presOf" srcId="{B7684989-411D-4AD9-BC52-45B441810FB8}" destId="{DCB474F9-9EDE-4AB1-A420-3D3C67BEE06D}" srcOrd="0" destOrd="0" presId="urn:microsoft.com/office/officeart/2005/8/layout/orgChart1"/>
+    <dgm:cxn modelId="{B364149D-3656-4CAA-AD19-13189B1EBBBC}" type="presOf" srcId="{A181CA61-6EF5-4109-8429-14E523F99F74}" destId="{46A29A1C-31D5-4659-84D5-2ABDB1CA66F5}" srcOrd="0" destOrd="0" presId="urn:microsoft.com/office/officeart/2005/8/layout/orgChart1"/>
+    <dgm:cxn modelId="{E3805605-A7F0-4D29-91F5-81F389C82CF9}" type="presOf" srcId="{9219CC95-DB5A-4564-84AF-A2EDDAA3584F}" destId="{EB88CBE1-F1A4-45CC-BB40-4DFE4EC2D6C7}" srcOrd="1" destOrd="0" presId="urn:microsoft.com/office/officeart/2005/8/layout/orgChart1"/>
+    <dgm:cxn modelId="{85B7AB8F-8FCE-4E93-8D3D-775E85B02C66}" type="presOf" srcId="{92DF16BB-A1C0-4A6D-94B6-A6F0ECDED519}" destId="{D5988589-94C1-4C81-978F-DBD40DBA321C}" srcOrd="0" destOrd="0" presId="urn:microsoft.com/office/officeart/2005/8/layout/orgChart1"/>
+    <dgm:cxn modelId="{2DD9F128-64D2-4E32-B989-6E671D1BCCF7}" type="presOf" srcId="{1DC5285E-102C-4FA9-B46F-DC1820955CEB}" destId="{6B23A3F1-7BB6-4D92-B080-8DDF5B7D90F9}" srcOrd="0" destOrd="0" presId="urn:microsoft.com/office/officeart/2005/8/layout/orgChart1"/>
+    <dgm:cxn modelId="{4B41E039-838B-4FEA-8472-66778FFB3AD7}" type="presOf" srcId="{A5A3E973-98B2-42F3-BF86-BFCFBA4959CD}" destId="{47A6D8F5-947F-4CAF-8649-2B47F3CE84C2}" srcOrd="0" destOrd="0" presId="urn:microsoft.com/office/officeart/2005/8/layout/orgChart1"/>
+    <dgm:cxn modelId="{D26FFA90-5102-4BDB-8E88-9F56C6633835}" type="presOf" srcId="{A5A3E973-98B2-42F3-BF86-BFCFBA4959CD}" destId="{996373A0-826A-48F1-B3AC-9E6FE150FE39}" srcOrd="1" destOrd="0" presId="urn:microsoft.com/office/officeart/2005/8/layout/orgChart1"/>
+    <dgm:cxn modelId="{4E47D73D-6EF0-49F8-9BF9-86541F34FBE7}" type="presOf" srcId="{BA5F9427-8D28-4F1E-B415-DBC21A99DCA6}" destId="{F17A70AA-9DE2-497A-ABAF-9976652061D0}" srcOrd="0" destOrd="0" presId="urn:microsoft.com/office/officeart/2005/8/layout/orgChart1"/>
+    <dgm:cxn modelId="{517BAF37-588B-4289-A3F1-8FD013B4E843}" type="presOf" srcId="{42B85BE5-3577-4C2D-BE8C-5FD91DF64A41}" destId="{839C542C-14CB-45EC-82DD-DF4246379ADA}" srcOrd="1" destOrd="0" presId="urn:microsoft.com/office/officeart/2005/8/layout/orgChart1"/>
+    <dgm:cxn modelId="{84BDB66C-1674-4BEA-B2DB-FB72485329A4}" srcId="{A5A3E973-98B2-42F3-BF86-BFCFBA4959CD}" destId="{9219CC95-DB5A-4564-84AF-A2EDDAA3584F}" srcOrd="0" destOrd="0" parTransId="{CA991FDF-4C0E-4095-9033-6B30715F6279}" sibTransId="{3B80F2C2-06CC-41A3-90EC-48071812D087}"/>
+    <dgm:cxn modelId="{E5E0D3B7-8D83-4C45-9ECE-EE6A8EAD29C2}" type="presOf" srcId="{CA991FDF-4C0E-4095-9033-6B30715F6279}" destId="{21FF3D14-80B9-4511-B89A-62C0986F8AC1}" srcOrd="0" destOrd="0" presId="urn:microsoft.com/office/officeart/2005/8/layout/orgChart1"/>
+    <dgm:cxn modelId="{7974A15E-DAB4-4B3A-84F1-A75103B92CA4}" srcId="{0928BF59-F4CC-4CC3-95AB-03558287B71A}" destId="{42B85BE5-3577-4C2D-BE8C-5FD91DF64A41}" srcOrd="0" destOrd="0" parTransId="{E2D6CD74-C38A-48E5-AFBB-5DFDC5C590FA}" sibTransId="{2F813B65-4BC4-4291-A5E2-6726A3D8BC18}"/>
+    <dgm:cxn modelId="{F6E8FA37-09AD-4ACC-8AA8-F75F00674D1F}" srcId="{42B85BE5-3577-4C2D-BE8C-5FD91DF64A41}" destId="{23379E79-72ED-4A21-B204-9DA1B9D1D5B1}" srcOrd="3" destOrd="0" parTransId="{DCF93C83-4640-427C-9394-875D2FDFD3ED}" sibTransId="{7AA6A622-93F5-4EA6-8BBA-8059A67CD4B8}"/>
+    <dgm:cxn modelId="{26E9C549-724E-4471-B15B-460E777F57B7}" type="presOf" srcId="{782B41AB-3383-4BBD-9C63-485EAD374494}" destId="{51F89A2D-49CE-4D99-984A-7C8C0FC62753}" srcOrd="0" destOrd="0" presId="urn:microsoft.com/office/officeart/2005/8/layout/orgChart1"/>
+    <dgm:cxn modelId="{F48B9433-1770-4D3D-95B8-403F375DA63F}" type="presOf" srcId="{75EC7018-CFC4-43B7-A541-CD1C44C39C2B}" destId="{60083A04-DCB9-45E8-829F-3B13D5A45609}" srcOrd="0" destOrd="0" presId="urn:microsoft.com/office/officeart/2005/8/layout/orgChart1"/>
+    <dgm:cxn modelId="{0A861773-2EB7-4359-AC8C-E1BB02A85BA7}" type="presOf" srcId="{16EC97A6-56C7-4D13-BD8E-04B730C82B8E}" destId="{F51FA478-21FA-4FF4-9119-2B8433C671CA}" srcOrd="1" destOrd="0" presId="urn:microsoft.com/office/officeart/2005/8/layout/orgChart1"/>
+    <dgm:cxn modelId="{7182EFD3-42C2-4696-BF77-6F19A3491D38}" type="presOf" srcId="{DCF93C83-4640-427C-9394-875D2FDFD3ED}" destId="{107D50BE-3BF6-459F-9EBC-02C52704194C}" srcOrd="0" destOrd="0" presId="urn:microsoft.com/office/officeart/2005/8/layout/orgChart1"/>
+    <dgm:cxn modelId="{C6923D72-A4FA-473D-975D-BD3026C5546B}" srcId="{00CFEA72-CFD7-4808-960A-99A148F19AA6}" destId="{D567E6AC-7485-4633-ABFB-AD8561A7F301}" srcOrd="1" destOrd="0" parTransId="{B9040880-0923-4CAA-95A3-736F5437FDC7}" sibTransId="{26CA3682-8E9C-49BA-A1F6-58E38A6CDD00}"/>
+    <dgm:cxn modelId="{946B2EBB-66BB-46D3-9BA3-A5B923F5F54A}" type="presOf" srcId="{00CFEA72-CFD7-4808-960A-99A148F19AA6}" destId="{10F54FF5-6F7B-4028-AC32-38A192BB9ACE}" srcOrd="0" destOrd="0" presId="urn:microsoft.com/office/officeart/2005/8/layout/orgChart1"/>
+    <dgm:cxn modelId="{E4D6E1A5-B301-4AAE-9547-3EC9F276042F}" type="presOf" srcId="{161D69E1-10E7-4163-AA00-D9B4F12F5E6F}" destId="{3692C6F9-D4DA-4BD2-A125-245E836F9783}" srcOrd="1" destOrd="0" presId="urn:microsoft.com/office/officeart/2005/8/layout/orgChart1"/>
+    <dgm:cxn modelId="{6CF5657D-E83B-4BB2-B1D8-CD5D762FDD1F}" type="presOf" srcId="{C50E8E85-4902-4694-B6F0-693E459C772F}" destId="{C3DB7ACD-DA9F-477A-91BD-28353FA03948}" srcOrd="0" destOrd="0" presId="urn:microsoft.com/office/officeart/2005/8/layout/orgChart1"/>
+    <dgm:cxn modelId="{E27AD126-B025-41D8-8F4E-CCF4DDD48474}" srcId="{42B85BE5-3577-4C2D-BE8C-5FD91DF64A41}" destId="{A5A3E973-98B2-42F3-BF86-BFCFBA4959CD}" srcOrd="0" destOrd="0" parTransId="{6687596B-CC37-4B7F-9DF0-E14DD8D818EF}" sibTransId="{2966A360-66E4-4D61-BBC2-D45303B41CD5}"/>
     <dgm:cxn modelId="{377A3552-3E2C-4557-A205-A17BC5B65358}" srcId="{92DF16BB-A1C0-4A6D-94B6-A6F0ECDED519}" destId="{16EC97A6-56C7-4D13-BD8E-04B730C82B8E}" srcOrd="0" destOrd="0" parTransId="{44468A8F-F177-4F0C-9B0D-81598F37D0FE}" sibTransId="{42A8008A-A640-4405-A5C4-DBF2ECC58097}"/>
-    <dgm:cxn modelId="{9EE44EAF-2F4A-42C7-AE36-6D9894F62FA6}" srcId="{00CFEA72-CFD7-4808-960A-99A148F19AA6}" destId="{38D70FD2-979C-4FC3-9511-EFE8B4268A1F}" srcOrd="0" destOrd="0" parTransId="{D58EC0A4-0FB4-4892-B004-23F40AA23156}" sibTransId="{85633334-6EF2-4B94-B4D9-B0CCEE53DCED}"/>
-    <dgm:cxn modelId="{4B41E039-838B-4FEA-8472-66778FFB3AD7}" type="presOf" srcId="{A5A3E973-98B2-42F3-BF86-BFCFBA4959CD}" destId="{47A6D8F5-947F-4CAF-8649-2B47F3CE84C2}" srcOrd="0" destOrd="0" presId="urn:microsoft.com/office/officeart/2005/8/layout/orgChart1"/>
-    <dgm:cxn modelId="{E3805605-A7F0-4D29-91F5-81F389C82CF9}" type="presOf" srcId="{9219CC95-DB5A-4564-84AF-A2EDDAA3584F}" destId="{EB88CBE1-F1A4-45CC-BB40-4DFE4EC2D6C7}" srcOrd="1" destOrd="0" presId="urn:microsoft.com/office/officeart/2005/8/layout/orgChart1"/>
-    <dgm:cxn modelId="{0A861773-2EB7-4359-AC8C-E1BB02A85BA7}" type="presOf" srcId="{16EC97A6-56C7-4D13-BD8E-04B730C82B8E}" destId="{F51FA478-21FA-4FF4-9119-2B8433C671CA}" srcOrd="1" destOrd="0" presId="urn:microsoft.com/office/officeart/2005/8/layout/orgChart1"/>
-    <dgm:cxn modelId="{8267B76C-4E1B-4A0E-A67C-ACE81DF47634}" type="presOf" srcId="{D567E6AC-7485-4633-ABFB-AD8561A7F301}" destId="{18E67748-7374-4ECA-BCA5-0ACA62DAA545}" srcOrd="1" destOrd="0" presId="urn:microsoft.com/office/officeart/2005/8/layout/orgChart1"/>
+    <dgm:cxn modelId="{AADF9843-285A-4432-AED7-EC43F5AB3562}" srcId="{42B85BE5-3577-4C2D-BE8C-5FD91DF64A41}" destId="{92DF16BB-A1C0-4A6D-94B6-A6F0ECDED519}" srcOrd="1" destOrd="0" parTransId="{A181CA61-6EF5-4109-8429-14E523F99F74}" sibTransId="{C7C808C6-E6C5-4E50-991C-125471893CBF}"/>
+    <dgm:cxn modelId="{63E44DC4-9973-4180-B3F1-FA9657837248}" type="presOf" srcId="{F8FF5663-7431-4703-B142-A4024400E87C}" destId="{28EDB841-ED4C-4F86-8BB9-9430EBB1D3CE}" srcOrd="0" destOrd="0" presId="urn:microsoft.com/office/officeart/2005/8/layout/orgChart1"/>
+    <dgm:cxn modelId="{C14E6E5D-D230-4D6C-8C4F-435D90EAFD99}" type="presOf" srcId="{782B41AB-3383-4BBD-9C63-485EAD374494}" destId="{02EA64B9-C2F1-4058-9586-F22B0468A098}" srcOrd="1" destOrd="0" presId="urn:microsoft.com/office/officeart/2005/8/layout/orgChart1"/>
+    <dgm:cxn modelId="{CDC66721-9499-4E03-9EFC-E368DB3A19A5}" type="presOf" srcId="{D58EC0A4-0FB4-4892-B004-23F40AA23156}" destId="{6B9C6CD1-CEC0-46A8-9BF8-C4F92312A826}" srcOrd="0" destOrd="0" presId="urn:microsoft.com/office/officeart/2005/8/layout/orgChart1"/>
+    <dgm:cxn modelId="{2AA07577-2E98-4D6C-9E39-73DEEC874B6A}" type="presOf" srcId="{9219CC95-DB5A-4564-84AF-A2EDDAA3584F}" destId="{F26748F3-5D83-4C29-88ED-36029C591DB6}" srcOrd="0" destOrd="0" presId="urn:microsoft.com/office/officeart/2005/8/layout/orgChart1"/>
+    <dgm:cxn modelId="{E632E9AA-7A58-4513-9429-C62257C9399C}" srcId="{A5A3E973-98B2-42F3-BF86-BFCFBA4959CD}" destId="{051B2FDD-5B49-4918-9552-D74ADAE52480}" srcOrd="1" destOrd="0" parTransId="{75EC7018-CFC4-43B7-A541-CD1C44C39C2B}" sibTransId="{41DD4001-4226-481C-B4A1-4CF27C78FCEC}"/>
+    <dgm:cxn modelId="{D1566140-E8EE-4156-BE8B-D4A7C723ECAE}" type="presOf" srcId="{38D70FD2-979C-4FC3-9511-EFE8B4268A1F}" destId="{3355F7DE-7D08-4987-A3BA-6CA50031A5D8}" srcOrd="0" destOrd="0" presId="urn:microsoft.com/office/officeart/2005/8/layout/orgChart1"/>
+    <dgm:cxn modelId="{2EA3DBC3-6916-4387-9B17-69B11953D620}" type="presOf" srcId="{23379E79-72ED-4A21-B204-9DA1B9D1D5B1}" destId="{E5989FB6-62C8-4377-BE5D-F5986B7C80E0}" srcOrd="0" destOrd="0" presId="urn:microsoft.com/office/officeart/2005/8/layout/orgChart1"/>
+    <dgm:cxn modelId="{CEB9345E-AE6D-4E91-86C0-7521938906EA}" type="presOf" srcId="{6687596B-CC37-4B7F-9DF0-E14DD8D818EF}" destId="{CA183F86-30ED-4D21-94A0-25D721C2D8A1}" srcOrd="0" destOrd="0" presId="urn:microsoft.com/office/officeart/2005/8/layout/orgChart1"/>
+    <dgm:cxn modelId="{307024DD-0041-4B41-B6DF-90D2ACB663C1}" type="presOf" srcId="{0928BF59-F4CC-4CC3-95AB-03558287B71A}" destId="{CC8C5185-0C80-4E25-8812-4FFB9CAA668C}" srcOrd="0" destOrd="0" presId="urn:microsoft.com/office/officeart/2005/8/layout/orgChart1"/>
+    <dgm:cxn modelId="{42367DC7-A456-4658-8152-134A83F4CEF6}" type="presOf" srcId="{42B85BE5-3577-4C2D-BE8C-5FD91DF64A41}" destId="{AF7D81A1-F325-4498-B09E-950FB7ECDE4A}" srcOrd="0" destOrd="0" presId="urn:microsoft.com/office/officeart/2005/8/layout/orgChart1"/>
+    <dgm:cxn modelId="{CC8D8B4E-383D-48A6-8B58-272D70384CBE}" type="presOf" srcId="{161D69E1-10E7-4163-AA00-D9B4F12F5E6F}" destId="{9FA7AF93-CD64-49C9-ACA2-E16861DF0BA7}" srcOrd="0" destOrd="0" presId="urn:microsoft.com/office/officeart/2005/8/layout/orgChart1"/>
+    <dgm:cxn modelId="{CE37C71D-F279-4702-9DC6-24CB2799CD46}" type="presOf" srcId="{D567E6AC-7485-4633-ABFB-AD8561A7F301}" destId="{0CCD0B92-B402-4010-B99C-FE69F923C4B6}" srcOrd="0" destOrd="0" presId="urn:microsoft.com/office/officeart/2005/8/layout/orgChart1"/>
+    <dgm:cxn modelId="{3BABDE16-260A-48BA-A0CB-85171902165E}" type="presOf" srcId="{23379E79-72ED-4A21-B204-9DA1B9D1D5B1}" destId="{F2166A1A-C8D9-4E59-9347-F722151B750F}" srcOrd="1" destOrd="0" presId="urn:microsoft.com/office/officeart/2005/8/layout/orgChart1"/>
     <dgm:cxn modelId="{A4E8EC5A-7C72-4998-AA97-6566C01E0719}" srcId="{23379E79-72ED-4A21-B204-9DA1B9D1D5B1}" destId="{161D69E1-10E7-4163-AA00-D9B4F12F5E6F}" srcOrd="0" destOrd="0" parTransId="{1DC5285E-102C-4FA9-B46F-DC1820955CEB}" sibTransId="{21C99945-FEBD-4618-874F-F2E4160A01A2}"/>
-    <dgm:cxn modelId="{C6923D72-A4FA-473D-975D-BD3026C5546B}" srcId="{00CFEA72-CFD7-4808-960A-99A148F19AA6}" destId="{D567E6AC-7485-4633-ABFB-AD8561A7F301}" srcOrd="1" destOrd="0" parTransId="{B9040880-0923-4CAA-95A3-736F5437FDC7}" sibTransId="{26CA3682-8E9C-49BA-A1F6-58E38A6CDD00}"/>
-    <dgm:cxn modelId="{6EEE009C-1808-4820-A2C9-C268A41CE199}" type="presOf" srcId="{00CFEA72-CFD7-4808-960A-99A148F19AA6}" destId="{D23CFB62-A431-4EFB-8026-290A4B942599}" srcOrd="1" destOrd="0" presId="urn:microsoft.com/office/officeart/2005/8/layout/orgChart1"/>
-    <dgm:cxn modelId="{D403267D-D8A5-49BF-A721-5982AD40E43E}" srcId="{92DF16BB-A1C0-4A6D-94B6-A6F0ECDED519}" destId="{C50E8E85-4902-4694-B6F0-693E459C772F}" srcOrd="1" destOrd="0" parTransId="{BA5F9427-8D28-4F1E-B415-DBC21A99DCA6}" sibTransId="{6D62CB5F-EDC1-4E5B-A926-DB152AA27753}"/>
-    <dgm:cxn modelId="{D6FDBB02-5C41-486C-AEB0-9EA54C981DAA}" type="presOf" srcId="{C50E8E85-4902-4694-B6F0-693E459C772F}" destId="{95EFF7CF-B077-4720-8358-A94133411516}" srcOrd="1" destOrd="0" presId="urn:microsoft.com/office/officeart/2005/8/layout/orgChart1"/>
-    <dgm:cxn modelId="{84BDB66C-1674-4BEA-B2DB-FB72485329A4}" srcId="{A5A3E973-98B2-42F3-BF86-BFCFBA4959CD}" destId="{9219CC95-DB5A-4564-84AF-A2EDDAA3584F}" srcOrd="0" destOrd="0" parTransId="{CA991FDF-4C0E-4095-9033-6B30715F6279}" sibTransId="{3B80F2C2-06CC-41A3-90EC-48071812D087}"/>
-    <dgm:cxn modelId="{EAB0A00D-56B3-451F-B302-D71F9FA3AC93}" srcId="{42B85BE5-3577-4C2D-BE8C-5FD91DF64A41}" destId="{00CFEA72-CFD7-4808-960A-99A148F19AA6}" srcOrd="2" destOrd="0" parTransId="{B7684989-411D-4AD9-BC52-45B441810FB8}" sibTransId="{E17CE9E9-1D5F-45E6-A89C-A39E017AA076}"/>
-    <dgm:cxn modelId="{C14E6E5D-D230-4D6C-8C4F-435D90EAFD99}" type="presOf" srcId="{782B41AB-3383-4BBD-9C63-485EAD374494}" destId="{02EA64B9-C2F1-4058-9586-F22B0468A098}" srcOrd="1" destOrd="0" presId="urn:microsoft.com/office/officeart/2005/8/layout/orgChart1"/>
-    <dgm:cxn modelId="{E632E9AA-7A58-4513-9429-C62257C9399C}" srcId="{A5A3E973-98B2-42F3-BF86-BFCFBA4959CD}" destId="{051B2FDD-5B49-4918-9552-D74ADAE52480}" srcOrd="1" destOrd="0" parTransId="{75EC7018-CFC4-43B7-A541-CD1C44C39C2B}" sibTransId="{41DD4001-4226-481C-B4A1-4CF27C78FCEC}"/>
-    <dgm:cxn modelId="{1BE0780F-FA02-4269-BB66-A40759A03A1E}" type="presOf" srcId="{051B2FDD-5B49-4918-9552-D74ADAE52480}" destId="{FD36B9AD-9753-479A-A411-5FDC1F4C4CDA}" srcOrd="1" destOrd="0" presId="urn:microsoft.com/office/officeart/2005/8/layout/orgChart1"/>
-    <dgm:cxn modelId="{5B971593-8778-4D0D-9698-1B719CF26AA3}" type="presOf" srcId="{38D70FD2-979C-4FC3-9511-EFE8B4268A1F}" destId="{B89F024F-CC6D-482A-90F2-D1DB1BB1BA14}" srcOrd="1" destOrd="0" presId="urn:microsoft.com/office/officeart/2005/8/layout/orgChart1"/>
-    <dgm:cxn modelId="{7182EFD3-42C2-4696-BF77-6F19A3491D38}" type="presOf" srcId="{DCF93C83-4640-427C-9394-875D2FDFD3ED}" destId="{107D50BE-3BF6-459F-9EBC-02C52704194C}" srcOrd="0" destOrd="0" presId="urn:microsoft.com/office/officeart/2005/8/layout/orgChart1"/>
-    <dgm:cxn modelId="{CC8D8B4E-383D-48A6-8B58-272D70384CBE}" type="presOf" srcId="{161D69E1-10E7-4163-AA00-D9B4F12F5E6F}" destId="{9FA7AF93-CD64-49C9-ACA2-E16861DF0BA7}" srcOrd="0" destOrd="0" presId="urn:microsoft.com/office/officeart/2005/8/layout/orgChart1"/>
-    <dgm:cxn modelId="{E4D6E1A5-B301-4AAE-9547-3EC9F276042F}" type="presOf" srcId="{161D69E1-10E7-4163-AA00-D9B4F12F5E6F}" destId="{3692C6F9-D4DA-4BD2-A125-245E836F9783}" srcOrd="1" destOrd="0" presId="urn:microsoft.com/office/officeart/2005/8/layout/orgChart1"/>
-    <dgm:cxn modelId="{946B2EBB-66BB-46D3-9BA3-A5B923F5F54A}" type="presOf" srcId="{00CFEA72-CFD7-4808-960A-99A148F19AA6}" destId="{10F54FF5-6F7B-4028-AC32-38A192BB9ACE}" srcOrd="0" destOrd="0" presId="urn:microsoft.com/office/officeart/2005/8/layout/orgChart1"/>
-    <dgm:cxn modelId="{E27AD126-B025-41D8-8F4E-CCF4DDD48474}" srcId="{42B85BE5-3577-4C2D-BE8C-5FD91DF64A41}" destId="{A5A3E973-98B2-42F3-BF86-BFCFBA4959CD}" srcOrd="0" destOrd="0" parTransId="{6687596B-CC37-4B7F-9DF0-E14DD8D818EF}" sibTransId="{2966A360-66E4-4D61-BBC2-D45303B41CD5}"/>
-    <dgm:cxn modelId="{42367DC7-A456-4658-8152-134A83F4CEF6}" type="presOf" srcId="{42B85BE5-3577-4C2D-BE8C-5FD91DF64A41}" destId="{AF7D81A1-F325-4498-B09E-950FB7ECDE4A}" srcOrd="0" destOrd="0" presId="urn:microsoft.com/office/officeart/2005/8/layout/orgChart1"/>
-    <dgm:cxn modelId="{4E47D73D-6EF0-49F8-9BF9-86541F34FBE7}" type="presOf" srcId="{BA5F9427-8D28-4F1E-B415-DBC21A99DCA6}" destId="{F17A70AA-9DE2-497A-ABAF-9976652061D0}" srcOrd="0" destOrd="0" presId="urn:microsoft.com/office/officeart/2005/8/layout/orgChart1"/>
-    <dgm:cxn modelId="{F48B9433-1770-4D3D-95B8-403F375DA63F}" type="presOf" srcId="{75EC7018-CFC4-43B7-A541-CD1C44C39C2B}" destId="{60083A04-DCB9-45E8-829F-3B13D5A45609}" srcOrd="0" destOrd="0" presId="urn:microsoft.com/office/officeart/2005/8/layout/orgChart1"/>
-    <dgm:cxn modelId="{CE37C71D-F279-4702-9DC6-24CB2799CD46}" type="presOf" srcId="{D567E6AC-7485-4633-ABFB-AD8561A7F301}" destId="{0CCD0B92-B402-4010-B99C-FE69F923C4B6}" srcOrd="0" destOrd="0" presId="urn:microsoft.com/office/officeart/2005/8/layout/orgChart1"/>
-    <dgm:cxn modelId="{D1566140-E8EE-4156-BE8B-D4A7C723ECAE}" type="presOf" srcId="{38D70FD2-979C-4FC3-9511-EFE8B4268A1F}" destId="{3355F7DE-7D08-4987-A3BA-6CA50031A5D8}" srcOrd="0" destOrd="0" presId="urn:microsoft.com/office/officeart/2005/8/layout/orgChart1"/>
-    <dgm:cxn modelId="{D26FFA90-5102-4BDB-8E88-9F56C6633835}" type="presOf" srcId="{A5A3E973-98B2-42F3-BF86-BFCFBA4959CD}" destId="{996373A0-826A-48F1-B3AC-9E6FE150FE39}" srcOrd="1" destOrd="0" presId="urn:microsoft.com/office/officeart/2005/8/layout/orgChart1"/>
-    <dgm:cxn modelId="{85B7AB8F-8FCE-4E93-8D3D-775E85B02C66}" type="presOf" srcId="{92DF16BB-A1C0-4A6D-94B6-A6F0ECDED519}" destId="{D5988589-94C1-4C81-978F-DBD40DBA321C}" srcOrd="0" destOrd="0" presId="urn:microsoft.com/office/officeart/2005/8/layout/orgChart1"/>
-    <dgm:cxn modelId="{2EA3DBC3-6916-4387-9B17-69B11953D620}" type="presOf" srcId="{23379E79-72ED-4A21-B204-9DA1B9D1D5B1}" destId="{E5989FB6-62C8-4377-BE5D-F5986B7C80E0}" srcOrd="0" destOrd="0" presId="urn:microsoft.com/office/officeart/2005/8/layout/orgChart1"/>
-    <dgm:cxn modelId="{6CF5657D-E83B-4BB2-B1D8-CD5D762FDD1F}" type="presOf" srcId="{C50E8E85-4902-4694-B6F0-693E459C772F}" destId="{C3DB7ACD-DA9F-477A-91BD-28353FA03948}" srcOrd="0" destOrd="0" presId="urn:microsoft.com/office/officeart/2005/8/layout/orgChart1"/>
-    <dgm:cxn modelId="{307024DD-0041-4B41-B6DF-90D2ACB663C1}" type="presOf" srcId="{0928BF59-F4CC-4CC3-95AB-03558287B71A}" destId="{CC8C5185-0C80-4E25-8812-4FFB9CAA668C}" srcOrd="0" destOrd="0" presId="urn:microsoft.com/office/officeart/2005/8/layout/orgChart1"/>
-    <dgm:cxn modelId="{9AE9D15B-B22C-4479-A9F8-C07C5EABAFE7}" type="presOf" srcId="{B7684989-411D-4AD9-BC52-45B441810FB8}" destId="{DCB474F9-9EDE-4AB1-A420-3D3C67BEE06D}" srcOrd="0" destOrd="0" presId="urn:microsoft.com/office/officeart/2005/8/layout/orgChart1"/>
-    <dgm:cxn modelId="{CDC66721-9499-4E03-9EFC-E368DB3A19A5}" type="presOf" srcId="{D58EC0A4-0FB4-4892-B004-23F40AA23156}" destId="{6B9C6CD1-CEC0-46A8-9BF8-C4F92312A826}" srcOrd="0" destOrd="0" presId="urn:microsoft.com/office/officeart/2005/8/layout/orgChart1"/>
-    <dgm:cxn modelId="{AADF9843-285A-4432-AED7-EC43F5AB3562}" srcId="{42B85BE5-3577-4C2D-BE8C-5FD91DF64A41}" destId="{92DF16BB-A1C0-4A6D-94B6-A6F0ECDED519}" srcOrd="1" destOrd="0" parTransId="{A181CA61-6EF5-4109-8429-14E523F99F74}" sibTransId="{C7C808C6-E6C5-4E50-991C-125471893CBF}"/>
+    <dgm:cxn modelId="{1462779E-CA7C-4E6C-9096-11F35D4110EC}" srcId="{23379E79-72ED-4A21-B204-9DA1B9D1D5B1}" destId="{782B41AB-3383-4BBD-9C63-485EAD374494}" srcOrd="1" destOrd="0" parTransId="{F8FF5663-7431-4703-B142-A4024400E87C}" sibTransId="{962D42E1-C36D-403F-9547-FA027CAE30B3}"/>
     <dgm:cxn modelId="{BF36CF61-FB6F-4F57-834A-B0024AB22CFB}" type="presOf" srcId="{92DF16BB-A1C0-4A6D-94B6-A6F0ECDED519}" destId="{12A8D81C-317A-4349-9580-1A63EDF8BCB6}" srcOrd="1" destOrd="0" presId="urn:microsoft.com/office/officeart/2005/8/layout/orgChart1"/>
-    <dgm:cxn modelId="{F6E8FA37-09AD-4ACC-8AA8-F75F00674D1F}" srcId="{42B85BE5-3577-4C2D-BE8C-5FD91DF64A41}" destId="{23379E79-72ED-4A21-B204-9DA1B9D1D5B1}" srcOrd="3" destOrd="0" parTransId="{DCF93C83-4640-427C-9394-875D2FDFD3ED}" sibTransId="{7AA6A622-93F5-4EA6-8BBA-8059A67CD4B8}"/>
-    <dgm:cxn modelId="{B364149D-3656-4CAA-AD19-13189B1EBBBC}" type="presOf" srcId="{A181CA61-6EF5-4109-8429-14E523F99F74}" destId="{46A29A1C-31D5-4659-84D5-2ABDB1CA66F5}" srcOrd="0" destOrd="0" presId="urn:microsoft.com/office/officeart/2005/8/layout/orgChart1"/>
-    <dgm:cxn modelId="{2DD9F128-64D2-4E32-B989-6E671D1BCCF7}" type="presOf" srcId="{1DC5285E-102C-4FA9-B46F-DC1820955CEB}" destId="{6B23A3F1-7BB6-4D92-B080-8DDF5B7D90F9}" srcOrd="0" destOrd="0" presId="urn:microsoft.com/office/officeart/2005/8/layout/orgChart1"/>
-    <dgm:cxn modelId="{E5E0D3B7-8D83-4C45-9ECE-EE6A8EAD29C2}" type="presOf" srcId="{CA991FDF-4C0E-4095-9033-6B30715F6279}" destId="{21FF3D14-80B9-4511-B89A-62C0986F8AC1}" srcOrd="0" destOrd="0" presId="urn:microsoft.com/office/officeart/2005/8/layout/orgChart1"/>
-    <dgm:cxn modelId="{37414572-7D3B-4FCA-A3B6-C9BBE445A4B9}" type="presOf" srcId="{44468A8F-F177-4F0C-9B0D-81598F37D0FE}" destId="{33B410C0-B038-480E-87A1-F08E7A73D7A3}" srcOrd="0" destOrd="0" presId="urn:microsoft.com/office/officeart/2005/8/layout/orgChart1"/>
-    <dgm:cxn modelId="{517BAF37-588B-4289-A3F1-8FD013B4E843}" type="presOf" srcId="{42B85BE5-3577-4C2D-BE8C-5FD91DF64A41}" destId="{839C542C-14CB-45EC-82DD-DF4246379ADA}" srcOrd="1" destOrd="0" presId="urn:microsoft.com/office/officeart/2005/8/layout/orgChart1"/>
-    <dgm:cxn modelId="{BD555F14-F953-489E-86D4-7D0429024552}" type="presOf" srcId="{051B2FDD-5B49-4918-9552-D74ADAE52480}" destId="{87BC7E62-9828-4DA7-A786-5502403CB809}" srcOrd="0" destOrd="0" presId="urn:microsoft.com/office/officeart/2005/8/layout/orgChart1"/>
-    <dgm:cxn modelId="{6EF9B61C-DDE8-43F9-BD6B-3A706E29CCB9}" type="presOf" srcId="{16EC97A6-56C7-4D13-BD8E-04B730C82B8E}" destId="{D66B988D-E3EA-4A84-BBF1-C46FD31E4C17}" srcOrd="0" destOrd="0" presId="urn:microsoft.com/office/officeart/2005/8/layout/orgChart1"/>
-    <dgm:cxn modelId="{3BABDE16-260A-48BA-A0CB-85171902165E}" type="presOf" srcId="{23379E79-72ED-4A21-B204-9DA1B9D1D5B1}" destId="{F2166A1A-C8D9-4E59-9347-F722151B750F}" srcOrd="1" destOrd="0" presId="urn:microsoft.com/office/officeart/2005/8/layout/orgChart1"/>
-    <dgm:cxn modelId="{7974A15E-DAB4-4B3A-84F1-A75103B92CA4}" srcId="{0928BF59-F4CC-4CC3-95AB-03558287B71A}" destId="{42B85BE5-3577-4C2D-BE8C-5FD91DF64A41}" srcOrd="0" destOrd="0" parTransId="{E2D6CD74-C38A-48E5-AFBB-5DFDC5C590FA}" sibTransId="{2F813B65-4BC4-4291-A5E2-6726A3D8BC18}"/>
-    <dgm:cxn modelId="{CEB9345E-AE6D-4E91-86C0-7521938906EA}" type="presOf" srcId="{6687596B-CC37-4B7F-9DF0-E14DD8D818EF}" destId="{CA183F86-30ED-4D21-94A0-25D721C2D8A1}" srcOrd="0" destOrd="0" presId="urn:microsoft.com/office/officeart/2005/8/layout/orgChart1"/>
-    <dgm:cxn modelId="{2AA07577-2E98-4D6C-9E39-73DEEC874B6A}" type="presOf" srcId="{9219CC95-DB5A-4564-84AF-A2EDDAA3584F}" destId="{F26748F3-5D83-4C29-88ED-36029C591DB6}" srcOrd="0" destOrd="0" presId="urn:microsoft.com/office/officeart/2005/8/layout/orgChart1"/>
-    <dgm:cxn modelId="{26E9C549-724E-4471-B15B-460E777F57B7}" type="presOf" srcId="{782B41AB-3383-4BBD-9C63-485EAD374494}" destId="{51F89A2D-49CE-4D99-984A-7C8C0FC62753}" srcOrd="0" destOrd="0" presId="urn:microsoft.com/office/officeart/2005/8/layout/orgChart1"/>
-    <dgm:cxn modelId="{63E44DC4-9973-4180-B3F1-FA9657837248}" type="presOf" srcId="{F8FF5663-7431-4703-B142-A4024400E87C}" destId="{28EDB841-ED4C-4F86-8BB9-9430EBB1D3CE}" srcOrd="0" destOrd="0" presId="urn:microsoft.com/office/officeart/2005/8/layout/orgChart1"/>
-    <dgm:cxn modelId="{1462779E-CA7C-4E6C-9096-11F35D4110EC}" srcId="{23379E79-72ED-4A21-B204-9DA1B9D1D5B1}" destId="{782B41AB-3383-4BBD-9C63-485EAD374494}" srcOrd="1" destOrd="0" parTransId="{F8FF5663-7431-4703-B142-A4024400E87C}" sibTransId="{962D42E1-C36D-403F-9547-FA027CAE30B3}"/>
     <dgm:cxn modelId="{D7336DE8-A752-42ED-BA19-168B1A41A399}" type="presParOf" srcId="{CC8C5185-0C80-4E25-8812-4FFB9CAA668C}" destId="{140F98EF-7BE5-42E1-9617-5D35B7CFCF59}" srcOrd="0" destOrd="0" presId="urn:microsoft.com/office/officeart/2005/8/layout/orgChart1"/>
     <dgm:cxn modelId="{036D268B-4D78-48B6-8192-C830B041E66B}" type="presParOf" srcId="{140F98EF-7BE5-42E1-9617-5D35B7CFCF59}" destId="{3BC0CA78-A962-445B-B18D-501AA8CB27BB}" srcOrd="0" destOrd="0" presId="urn:microsoft.com/office/officeart/2005/8/layout/orgChart1"/>
     <dgm:cxn modelId="{59D29821-CD0C-4C17-9F3A-59D57A48AF31}" type="presParOf" srcId="{3BC0CA78-A962-445B-B18D-501AA8CB27BB}" destId="{AF7D81A1-F325-4498-B09E-950FB7ECDE4A}" srcOrd="0" destOrd="0" presId="urn:microsoft.com/office/officeart/2005/8/layout/orgChart1"/>
@@ -10825,7 +10825,12 @@
             <p:ph idx="1"/>
           </p:nvPr>
         </p:nvSpPr>
-        <p:spPr/>
+        <p:spPr>
+          <a:xfrm>
+            <a:off x="467544" y="2060848"/>
+            <a:ext cx="8229600" cy="4525963"/>
+          </a:xfrm>
+        </p:spPr>
         <p:txBody>
           <a:bodyPr>
             <a:normAutofit/>
@@ -10963,14 +10968,30 @@
             <a:endParaRPr lang="en-US" altLang="zh-TW" dirty="0" smtClean="0"/>
           </a:p>
           <a:p>
-            <a:endParaRPr lang="en-US" altLang="zh-TW" dirty="0"/>
-          </a:p>
-          <a:p>
-            <a:r>
-              <a:rPr lang="zh-TW" altLang="en-US" dirty="0" smtClean="0"/>
-              <a:t>藉由此網站去行銷基隆的歷史文化與小而美的風景</a:t>
-            </a:r>
-            <a:endParaRPr lang="en-US" altLang="zh-TW" dirty="0" smtClean="0"/>
+            <a:pPr marL="109728" indent="0">
+              <a:buNone/>
+            </a:pPr>
+            <a:r>
+              <a:rPr lang="zh-TW" altLang="en-US" b="1" dirty="0" smtClean="0">
+                <a:solidFill>
+                  <a:srgbClr val="00B050"/>
+                </a:solidFill>
+              </a:rPr>
+              <a:t>藉</a:t>
+            </a:r>
+            <a:r>
+              <a:rPr lang="zh-TW" altLang="en-US" b="1" dirty="0" smtClean="0">
+                <a:solidFill>
+                  <a:srgbClr val="00B050"/>
+                </a:solidFill>
+              </a:rPr>
+              <a:t>由此網站去行銷基隆的歷史文化與小而美的風景</a:t>
+            </a:r>
+            <a:endParaRPr lang="en-US" altLang="zh-TW" b="1" dirty="0" smtClean="0">
+              <a:solidFill>
+                <a:srgbClr val="00B050"/>
+              </a:solidFill>
+            </a:endParaRPr>
           </a:p>
           <a:p>
             <a:endParaRPr lang="zh-TW" altLang="en-US" dirty="0"/>
@@ -10987,15 +11008,140 @@
             <p:ph type="title"/>
           </p:nvPr>
         </p:nvSpPr>
-        <p:spPr/>
+        <p:spPr>
+          <a:xfrm>
+            <a:off x="467544" y="836712"/>
+            <a:ext cx="8229600" cy="1143000"/>
+          </a:xfrm>
+        </p:spPr>
         <p:txBody>
-          <a:bodyPr/>
+          <a:bodyPr>
+            <a:normAutofit fontScale="90000"/>
+          </a:bodyPr>
           <a:lstStyle/>
           <a:p>
             <a:r>
               <a:rPr lang="zh-TW" altLang="en-US" dirty="0" smtClean="0"/>
-              <a:t>特色與優點</a:t>
-            </a:r>
+              <a:t>特色與</a:t>
+            </a:r>
+            <a:r>
+              <a:rPr lang="zh-TW" altLang="en-US" dirty="0" smtClean="0"/>
+              <a:t>優點</a:t>
+            </a:r>
+            <a:r>
+              <a:rPr lang="en-US" altLang="zh-TW" dirty="0" smtClean="0"/>
+              <a:t/>
+            </a:r>
+            <a:br>
+              <a:rPr lang="en-US" altLang="zh-TW" dirty="0" smtClean="0"/>
+            </a:br>
+            <a:r>
+              <a:rPr lang="zh-TW" altLang="en-US" sz="3000" b="0" dirty="0" smtClean="0">
+                <a:solidFill>
+                  <a:schemeClr val="bg2">
+                    <a:lumMod val="25000"/>
+                  </a:schemeClr>
+                </a:solidFill>
+                <a:effectLst/>
+              </a:rPr>
+              <a:t>基隆</a:t>
+            </a:r>
+            <a:r>
+              <a:rPr lang="zh-TW" altLang="en-US" sz="3000" b="0" dirty="0">
+                <a:solidFill>
+                  <a:schemeClr val="bg2">
+                    <a:lumMod val="25000"/>
+                  </a:schemeClr>
+                </a:solidFill>
+                <a:effectLst/>
+              </a:rPr>
+              <a:t>是有山有海的山海城</a:t>
+            </a:r>
+            <a:r>
+              <a:rPr lang="en-US" altLang="zh-TW" sz="3000" b="0" dirty="0">
+                <a:solidFill>
+                  <a:schemeClr val="bg2">
+                    <a:lumMod val="25000"/>
+                  </a:schemeClr>
+                </a:solidFill>
+                <a:effectLst/>
+              </a:rPr>
+              <a:t>,</a:t>
+            </a:r>
+            <a:r>
+              <a:rPr lang="zh-TW" altLang="en-US" sz="3000" b="0" dirty="0">
+                <a:solidFill>
+                  <a:schemeClr val="bg2">
+                    <a:lumMod val="25000"/>
+                  </a:schemeClr>
+                </a:solidFill>
+                <a:effectLst/>
+              </a:rPr>
+              <a:t>最大特色是海洋</a:t>
+            </a:r>
+            <a:r>
+              <a:rPr lang="en-US" altLang="zh-TW" sz="3000" b="0" dirty="0">
+                <a:solidFill>
+                  <a:schemeClr val="bg2">
+                    <a:lumMod val="25000"/>
+                  </a:schemeClr>
+                </a:solidFill>
+                <a:effectLst/>
+              </a:rPr>
+              <a:t>,</a:t>
+            </a:r>
+            <a:r>
+              <a:rPr lang="zh-TW" altLang="en-US" sz="3000" b="0" dirty="0">
+                <a:solidFill>
+                  <a:schemeClr val="bg2">
+                    <a:lumMod val="25000"/>
+                  </a:schemeClr>
+                </a:solidFill>
+                <a:effectLst/>
+              </a:rPr>
+              <a:t>因此我們以</a:t>
+            </a:r>
+            <a:r>
+              <a:rPr lang="en-US" altLang="zh-TW" sz="3000" b="0" dirty="0" err="1">
+                <a:solidFill>
+                  <a:schemeClr val="bg2">
+                    <a:lumMod val="25000"/>
+                  </a:schemeClr>
+                </a:solidFill>
+                <a:effectLst/>
+              </a:rPr>
+              <a:t>kuso</a:t>
+            </a:r>
+            <a:r>
+              <a:rPr lang="zh-TW" altLang="en-US" sz="3000" b="0" dirty="0">
+                <a:solidFill>
+                  <a:schemeClr val="bg2">
+                    <a:lumMod val="25000"/>
+                  </a:schemeClr>
+                </a:solidFill>
+                <a:effectLst/>
+              </a:rPr>
+              <a:t>海浪形狀為背景。</a:t>
+            </a:r>
+            <a:r>
+              <a:rPr lang="en-US" altLang="zh-TW" dirty="0">
+                <a:solidFill>
+                  <a:schemeClr val="bg2">
+                    <a:lumMod val="25000"/>
+                  </a:schemeClr>
+                </a:solidFill>
+              </a:rPr>
+              <a:t/>
+            </a:r>
+            <a:br>
+              <a:rPr lang="en-US" altLang="zh-TW" dirty="0">
+                <a:solidFill>
+                  <a:schemeClr val="bg2">
+                    <a:lumMod val="25000"/>
+                  </a:schemeClr>
+                </a:solidFill>
+              </a:rPr>
+            </a:br>
             <a:endParaRPr lang="zh-TW" altLang="en-US" dirty="0"/>
           </a:p>
         </p:txBody>
